--- a/Poster_1_v3.pptx
+++ b/Poster_1_v3.pptx
@@ -3892,56 +3892,6 @@
       </p:grpSpPr>
       <p:sp>
         <p:nvSpPr>
-          <p:cNvPr id="212" name="Rectangle 5">
-            <a:extLst>
-              <a:ext uri="{FF2B5EF4-FFF2-40B4-BE49-F238E27FC236}">
-                <a16:creationId xmlns:a16="http://schemas.microsoft.com/office/drawing/2014/main" id="{34C77C45-B70B-2BC5-DBC4-85C51B8E6AC6}"/>
-              </a:ext>
-            </a:extLst>
-          </p:cNvPr>
-          <p:cNvSpPr>
-            <a:spLocks noChangeArrowheads="1"/>
-          </p:cNvSpPr>
-          <p:nvPr/>
-        </p:nvSpPr>
-        <p:spPr bwMode="auto">
-          <a:xfrm>
-            <a:off x="19586898" y="16962864"/>
-            <a:ext cx="4800798" cy="4084848"/>
-          </a:xfrm>
-          <a:prstGeom prst="roundRect">
-            <a:avLst>
-              <a:gd name="adj" fmla="val 1380"/>
-            </a:avLst>
-          </a:prstGeom>
-          <a:solidFill>
-            <a:srgbClr val="B4D3E2">
-              <a:alpha val="29020"/>
-            </a:srgbClr>
-          </a:solidFill>
-          <a:ln>
-            <a:noFill/>
-          </a:ln>
-          <a:effectLst/>
-        </p:spPr>
-        <p:txBody>
-          <a:bodyPr wrap="none" lIns="182880" tIns="45720" rIns="182880" bIns="45720" anchor="ctr"/>
-          <a:lstStyle>
-            <a:defPPr>
-              <a:defRPr kern="1200"/>
-            </a:defPPr>
-          </a:lstStyle>
-          <a:p>
-            <a:pPr defTabSz="3135999"/>
-            <a:endParaRPr lang="en-US" sz="2400" dirty="0">
-              <a:noFill/>
-              <a:latin typeface="Amaranth" panose="02000503050000020004" pitchFamily="2" charset="0"/>
-            </a:endParaRPr>
-          </a:p>
-        </p:txBody>
-      </p:sp>
-      <p:sp>
-        <p:nvSpPr>
           <p:cNvPr id="51" name="Rectangle 50">
             <a:extLst>
               <a:ext uri="{FF2B5EF4-FFF2-40B4-BE49-F238E27FC236}">
@@ -4005,6 +3955,92 @@
               </a:solidFill>
               <a:effectLst/>
               <a:latin typeface="Arial" pitchFamily="34" charset="0"/>
+            </a:endParaRPr>
+          </a:p>
+        </p:txBody>
+      </p:sp>
+      <p:pic>
+        <p:nvPicPr>
+          <p:cNvPr id="218" name="Picture 217" descr="A diagram of a computer process&#10;&#10;AI-generated content may be incorrect.">
+            <a:extLst>
+              <a:ext uri="{FF2B5EF4-FFF2-40B4-BE49-F238E27FC236}">
+                <a16:creationId xmlns:a16="http://schemas.microsoft.com/office/drawing/2014/main" id="{616BE930-CE65-1CDA-9CCA-3B1EFD5020CB}"/>
+              </a:ext>
+            </a:extLst>
+          </p:cNvPr>
+          <p:cNvPicPr>
+            <a:picLocks noChangeAspect="1"/>
+          </p:cNvPicPr>
+          <p:nvPr/>
+        </p:nvPicPr>
+        <p:blipFill>
+          <a:blip r:embed="rId2">
+            <a:extLst>
+              <a:ext uri="{28A0092B-C50C-407E-A947-70E740481C1C}">
+                <a14:useLocalDpi xmlns:a14="http://schemas.microsoft.com/office/drawing/2010/main" val="0"/>
+              </a:ext>
+            </a:extLst>
+          </a:blip>
+          <a:stretch>
+            <a:fillRect/>
+          </a:stretch>
+        </p:blipFill>
+        <p:spPr>
+          <a:xfrm>
+            <a:off x="856601" y="9518257"/>
+            <a:ext cx="11267884" cy="7127592"/>
+          </a:xfrm>
+          <a:prstGeom prst="rect">
+            <a:avLst/>
+          </a:prstGeom>
+        </p:spPr>
+      </p:pic>
+      <p:sp>
+        <p:nvSpPr>
+          <p:cNvPr id="212" name="Rectangle 5">
+            <a:extLst>
+              <a:ext uri="{FF2B5EF4-FFF2-40B4-BE49-F238E27FC236}">
+                <a16:creationId xmlns:a16="http://schemas.microsoft.com/office/drawing/2014/main" id="{34C77C45-B70B-2BC5-DBC4-85C51B8E6AC6}"/>
+              </a:ext>
+            </a:extLst>
+          </p:cNvPr>
+          <p:cNvSpPr>
+            <a:spLocks noChangeArrowheads="1"/>
+          </p:cNvSpPr>
+          <p:nvPr/>
+        </p:nvSpPr>
+        <p:spPr bwMode="auto">
+          <a:xfrm>
+            <a:off x="19586898" y="16962864"/>
+            <a:ext cx="4800798" cy="4084848"/>
+          </a:xfrm>
+          <a:prstGeom prst="roundRect">
+            <a:avLst>
+              <a:gd name="adj" fmla="val 1380"/>
+            </a:avLst>
+          </a:prstGeom>
+          <a:solidFill>
+            <a:srgbClr val="B4D3E2">
+              <a:alpha val="29020"/>
+            </a:srgbClr>
+          </a:solidFill>
+          <a:ln>
+            <a:noFill/>
+          </a:ln>
+          <a:effectLst/>
+        </p:spPr>
+        <p:txBody>
+          <a:bodyPr wrap="none" lIns="182880" tIns="45720" rIns="182880" bIns="45720" anchor="ctr"/>
+          <a:lstStyle>
+            <a:defPPr>
+              <a:defRPr kern="1200"/>
+            </a:defPPr>
+          </a:lstStyle>
+          <a:p>
+            <a:pPr defTabSz="3135999"/>
+            <a:endParaRPr lang="en-US" sz="2400" dirty="0">
+              <a:noFill/>
+              <a:latin typeface="Amaranth" panose="02000503050000020004" pitchFamily="2" charset="0"/>
             </a:endParaRPr>
           </a:p>
         </p:txBody>
@@ -4376,7 +4412,7 @@
         <p:spPr bwMode="auto">
           <a:xfrm>
             <a:off x="-22206" y="8768139"/>
-            <a:ext cx="13047910" cy="710631"/>
+            <a:ext cx="13092836" cy="710631"/>
           </a:xfrm>
           <a:prstGeom prst="rect">
             <a:avLst/>
@@ -4553,7 +4589,7 @@
           <p:nvPr/>
         </p:nvPicPr>
         <p:blipFill>
-          <a:blip r:embed="rId2">
+          <a:blip r:embed="rId3">
             <a:alphaModFix amt="50000"/>
             <a:extLst>
               <a:ext uri="{28A0092B-C50C-407E-A947-70E740481C1C}">
@@ -4654,7 +4690,7 @@
           <p:nvPr/>
         </p:nvPicPr>
         <p:blipFill>
-          <a:blip r:embed="rId3">
+          <a:blip r:embed="rId4">
             <a:extLst>
               <a:ext uri="{28A0092B-C50C-407E-A947-70E740481C1C}">
                 <a14:useLocalDpi xmlns:a14="http://schemas.microsoft.com/office/drawing/2010/main" val="0"/>
@@ -4692,8 +4728,8 @@
         </p:nvSpPr>
         <p:spPr bwMode="auto">
           <a:xfrm>
-            <a:off x="13035828" y="8763142"/>
-            <a:ext cx="11267884" cy="710631"/>
+            <a:off x="13035828" y="8757477"/>
+            <a:ext cx="11267884" cy="715124"/>
           </a:xfrm>
           <a:prstGeom prst="rect">
             <a:avLst/>
@@ -4813,42 +4849,6 @@
           </a:p>
         </p:txBody>
       </p:sp>
-      <p:pic>
-        <p:nvPicPr>
-          <p:cNvPr id="30" name="Picture 29" descr="A diagram of a data processing process&#10;&#10;AI-generated content may be incorrect.">
-            <a:extLst>
-              <a:ext uri="{FF2B5EF4-FFF2-40B4-BE49-F238E27FC236}">
-                <a16:creationId xmlns:a16="http://schemas.microsoft.com/office/drawing/2014/main" id="{789F0853-C628-87D0-FA2B-E66DE3DEAB2B}"/>
-              </a:ext>
-            </a:extLst>
-          </p:cNvPr>
-          <p:cNvPicPr>
-            <a:picLocks noChangeAspect="1"/>
-          </p:cNvPicPr>
-          <p:nvPr/>
-        </p:nvPicPr>
-        <p:blipFill>
-          <a:blip r:embed="rId4">
-            <a:extLst>
-              <a:ext uri="{28A0092B-C50C-407E-A947-70E740481C1C}">
-                <a14:useLocalDpi xmlns:a14="http://schemas.microsoft.com/office/drawing/2010/main" val="0"/>
-              </a:ext>
-            </a:extLst>
-          </a:blip>
-          <a:stretch>
-            <a:fillRect/>
-          </a:stretch>
-        </p:blipFill>
-        <p:spPr>
-          <a:xfrm>
-            <a:off x="971002" y="9527693"/>
-            <a:ext cx="11163747" cy="7061719"/>
-          </a:xfrm>
-          <a:prstGeom prst="rect">
-            <a:avLst/>
-          </a:prstGeom>
-        </p:spPr>
-      </p:pic>
       <p:pic>
         <p:nvPicPr>
           <p:cNvPr id="34" name="Picture 33" descr="A comparison of a graph&#10;&#10;AI-generated content may be incorrect.">

--- a/Poster_1_v3.pptx
+++ b/Poster_1_v3.pptx
@@ -12,10 +12,10 @@
   <p:embeddedFontLst>
     <p:embeddedFont>
       <p:font typeface="Amaranth" panose="02000503050000020004" pitchFamily="2" charset="77"/>
-      <p:regular r:id=""/>
-      <p:bold r:id=""/>
-      <p:italic r:id=""/>
-      <p:boldItalic r:id=""/>
+      <p:regular r:id="rId3"/>
+      <p:bold r:id="rId3"/>
+      <p:italic r:id="rId3"/>
+      <p:boldItalic r:id="rId3"/>
     </p:embeddedFont>
     <p:embeddedFont>
       <p:font typeface="Apple Braille" pitchFamily="2" charset="0"/>
@@ -4557,14 +4557,14 @@
                 <a:latin typeface="Times New Roman" panose="02020603050405020304" pitchFamily="18" charset="0"/>
                 <a:cs typeface="Times New Roman" panose="02020603050405020304" pitchFamily="18" charset="0"/>
               </a:rPr>
-              <a:t>sound recognition systems still struggle with animal vocalizations</a:t>
+              <a:t>sound recognition systems struggle with environmental sounds, </a:t>
             </a:r>
             <a:r>
               <a:rPr lang="en-CA" sz="3000" dirty="0">
                 <a:latin typeface="Times New Roman" panose="02020603050405020304" pitchFamily="18" charset="0"/>
                 <a:cs typeface="Times New Roman" panose="02020603050405020304" pitchFamily="18" charset="0"/>
               </a:rPr>
-              <a:t>. Building custom deep networks requires more data than most field recordings provide, models either overfit or ignore rare classes.</a:t>
+              <a:t>such as animal vocalizations. Building custom deep networks requires more data than most field recordings provide, models either overfit or ignore rare classes.</a:t>
             </a:r>
             <a:endParaRPr lang="en-US" sz="3000" b="1" dirty="0">
               <a:latin typeface="Times New Roman" panose="02020603050405020304" pitchFamily="18" charset="0"/>
@@ -4833,7 +4833,7 @@
                 <a:latin typeface="Times New Roman" panose="02020603050405020304" pitchFamily="18" charset="0"/>
                 <a:cs typeface="Times New Roman" panose="02020603050405020304" pitchFamily="18" charset="0"/>
               </a:rPr>
-              <a:t>transfer them to ESC-50 animal sounds </a:t>
+              <a:t>transfer them to ESC-50 environmental sounds </a:t>
             </a:r>
             <a:r>
               <a:rPr lang="en-CA" sz="3000" dirty="0">
@@ -5294,8 +5294,8 @@
         </p:nvSpPr>
         <p:spPr>
           <a:xfrm>
-            <a:off x="13159225" y="4939536"/>
-            <a:ext cx="3511153" cy="3831818"/>
+            <a:off x="13159225" y="5036166"/>
+            <a:ext cx="3511153" cy="3416320"/>
           </a:xfrm>
           <a:prstGeom prst="rect">
             <a:avLst/>
@@ -5327,7 +5327,7 @@
                 <a:latin typeface="Times New Roman" panose="02020603050405020304" pitchFamily="18" charset="0"/>
                 <a:cs typeface="Times New Roman" panose="02020603050405020304" pitchFamily="18" charset="0"/>
               </a:rPr>
-              <a:t>: train each classifier only on GTZAN embeddings, freeze it, and evaluate directly on the ESC-50 animal subset without seeing any target labels to measure domain transfer.</a:t>
+              <a:t>: train each classifier only on GTZAN embeddings, freeze it, and evaluate directly on the ESC-50 without seeing any target labels to measure domain transfer.</a:t>
             </a:r>
           </a:p>
         </p:txBody>
@@ -5914,7 +5914,7 @@
             </a:r>
             <a:r>
               <a:rPr lang="en-CA" sz="3000" b="0" dirty="0"/>
-              <a:t>Frozen YAMNet embeddings plus lightweight heads can deliver strong animal-sound recognition: zero-shot is weak, but even 5 labeled clips/class push macro-F1 above 0.6 and full ESC-50 fine-tuning exceeds 0.85.</a:t>
+              <a:t>Frozen YAMNet embeddings plus lightweight heads can deliver strong recognition: zero-shot is weak, but even 5 labeled clips/class push macro-F1 above 0.6 and full ESC-50 fine-tuning exceeds 0.85.</a:t>
             </a:r>
             <a:endParaRPr lang="en-US" sz="3000" b="0" dirty="0"/>
           </a:p>
@@ -6073,7 +6073,7 @@
                 <a:latin typeface="Times New Roman" panose="02020603050405020304" pitchFamily="18" charset="0"/>
                 <a:cs typeface="Times New Roman" panose="02020603050405020304" pitchFamily="18" charset="0"/>
               </a:rPr>
-              <a:t>results may not generalize to other animal sound distributions </a:t>
+              <a:t>results may not generalize to other environmental sound distributions </a:t>
             </a:r>
             <a:r>
               <a:rPr lang="en-CA" sz="3000" dirty="0">
